--- a/output_202212/ExperimenResults.pptx
+++ b/output_202212/ExperimenResults.pptx
@@ -3150,11 +3150,12 @@
                           <a:ea typeface="微软雅黑" panose="020B0503020204020204" charset="-122"/>
                           <a:sym typeface="+mn-ea"/>
                         </a:rPr>
-                        <a:t>±</a:t>
+                        <a:t>0.6784±0.0199</a:t>
                       </a:r>
                       <a:endParaRPr lang="zh-CN" altLang="en-US" sz="1400">
                         <a:latin typeface="Times New Roman" panose="02020603050405020304" charset="0"/>
-                        <a:cs typeface="Times New Roman" panose="02020603050405020304" charset="0"/>
+                        <a:ea typeface="微软雅黑" panose="020B0503020204020204" charset="-122"/>
+                        <a:sym typeface="+mn-ea"/>
                       </a:endParaRPr>
                     </a:p>
                   </a:txBody>
@@ -3173,11 +3174,21 @@
                           <a:ea typeface="微软雅黑" panose="020B0503020204020204" charset="-122"/>
                           <a:sym typeface="+mn-ea"/>
                         </a:rPr>
-                        <a:t>±</a:t>
+                        <a:t>0.7641±</a:t>
                       </a:r>
-                      <a:endParaRPr lang="zh-CN" altLang="en-US" sz="1400">
+                      <a:r>
+                        <a:rPr lang="en-US" altLang="zh-CN" sz="1400">
+                          <a:latin typeface="Times New Roman" panose="02020603050405020304" charset="0"/>
+                          <a:ea typeface="微软雅黑" panose="020B0503020204020204" charset="-122"/>
+                          <a:sym typeface="+mn-ea"/>
+                        </a:rPr>
+                        <a:t>0.0952</a:t>
+                      </a:r>
+                      <a:endParaRPr lang="en-US" altLang="zh-CN" sz="1400">
                         <a:latin typeface="Times New Roman" panose="02020603050405020304" charset="0"/>
+                        <a:ea typeface="微软雅黑" panose="020B0503020204020204" charset="-122"/>
                         <a:cs typeface="Times New Roman" panose="02020603050405020304" charset="0"/>
+                        <a:sym typeface="+mn-ea"/>
                       </a:endParaRPr>
                     </a:p>
                   </a:txBody>
@@ -3190,7 +3201,29 @@
                       <a:pPr algn="ctr">
                         <a:buNone/>
                       </a:pPr>
-                      <a:endParaRPr lang="zh-CN" altLang="en-US" sz="1400">
+                      <a:r>
+                        <a:rPr lang="en-US" altLang="zh-CN" sz="1400">
+                          <a:latin typeface="Times New Roman" panose="02020603050405020304" charset="0"/>
+                          <a:cs typeface="Times New Roman" panose="02020603050405020304" charset="0"/>
+                        </a:rPr>
+                        <a:t>0.6877</a:t>
+                      </a:r>
+                      <a:r>
+                        <a:rPr lang="zh-CN" altLang="en-US" sz="1400">
+                          <a:latin typeface="Times New Roman" panose="02020603050405020304" charset="0"/>
+                          <a:ea typeface="微软雅黑" panose="020B0503020204020204" charset="-122"/>
+                          <a:sym typeface="+mn-ea"/>
+                        </a:rPr>
+                        <a:t>±</a:t>
+                      </a:r>
+                      <a:r>
+                        <a:rPr lang="en-US" altLang="zh-CN" sz="1400">
+                          <a:latin typeface="Times New Roman" panose="02020603050405020304" charset="0"/>
+                          <a:cs typeface="Times New Roman" panose="02020603050405020304" charset="0"/>
+                        </a:rPr>
+                        <a:t>0.0088</a:t>
+                      </a:r>
+                      <a:endParaRPr lang="en-US" altLang="zh-CN" sz="1400">
                         <a:latin typeface="Times New Roman" panose="02020603050405020304" charset="0"/>
                         <a:cs typeface="Times New Roman" panose="02020603050405020304" charset="0"/>
                       </a:endParaRPr>
@@ -3238,7 +3271,14 @@
                           <a:ea typeface="微软雅黑" panose="020B0503020204020204" charset="-122"/>
                           <a:sym typeface="+mn-ea"/>
                         </a:rPr>
-                        <a:t>±</a:t>
+                        <a:t>0.6334±</a:t>
+                      </a:r>
+                      <a:r>
+                        <a:rPr lang="zh-CN" altLang="en-US" sz="1400">
+                          <a:latin typeface="Times New Roman" panose="02020603050405020304" charset="0"/>
+                          <a:cs typeface="Times New Roman" panose="02020603050405020304" charset="0"/>
+                        </a:rPr>
+                        <a:t>0.0178</a:t>
                       </a:r>
                       <a:endParaRPr lang="zh-CN" altLang="en-US" sz="1400">
                         <a:latin typeface="Times New Roman" panose="02020603050405020304" charset="0"/>
@@ -3261,11 +3301,12 @@
                           <a:ea typeface="微软雅黑" panose="020B0503020204020204" charset="-122"/>
                           <a:sym typeface="+mn-ea"/>
                         </a:rPr>
-                        <a:t>±</a:t>
+                        <a:t>0.7990±0.0698</a:t>
                       </a:r>
                       <a:endParaRPr lang="zh-CN" altLang="en-US" sz="1400">
                         <a:latin typeface="Times New Roman" panose="02020603050405020304" charset="0"/>
-                        <a:cs typeface="Times New Roman" panose="02020603050405020304" charset="0"/>
+                        <a:ea typeface="微软雅黑" panose="020B0503020204020204" charset="-122"/>
+                        <a:sym typeface="+mn-ea"/>
                       </a:endParaRPr>
                     </a:p>
                   </a:txBody>
@@ -3284,11 +3325,12 @@
                           <a:ea typeface="微软雅黑" panose="020B0503020204020204" charset="-122"/>
                           <a:sym typeface="+mn-ea"/>
                         </a:rPr>
-                        <a:t>±</a:t>
+                        <a:t>0.5808±0.0205</a:t>
                       </a:r>
                       <a:endParaRPr lang="zh-CN" altLang="en-US" sz="1400">
                         <a:latin typeface="Times New Roman" panose="02020603050405020304" charset="0"/>
-                        <a:cs typeface="Times New Roman" panose="02020603050405020304" charset="0"/>
+                        <a:ea typeface="微软雅黑" panose="020B0503020204020204" charset="-122"/>
+                        <a:sym typeface="+mn-ea"/>
                       </a:endParaRPr>
                     </a:p>
                   </a:txBody>
@@ -3418,7 +3460,7 @@
                           <a:ea typeface="微软雅黑" panose="020B0503020204020204" charset="-122"/>
                           <a:sym typeface="+mn-ea"/>
                         </a:rPr>
-                        <a:t>±</a:t>
+                        <a:t>0.6520±0.0289</a:t>
                       </a:r>
                       <a:endParaRPr lang="zh-CN" altLang="en-US" sz="1400">
                         <a:latin typeface="Times New Roman" panose="02020603050405020304" charset="0"/>
@@ -3469,11 +3511,12 @@
                           <a:ea typeface="微软雅黑" panose="020B0503020204020204" charset="-122"/>
                           <a:sym typeface="+mn-ea"/>
                         </a:rPr>
-                        <a:t>±</a:t>
+                        <a:t>0.6586±0.0105</a:t>
                       </a:r>
                       <a:endParaRPr lang="zh-CN" altLang="en-US" sz="1400">
                         <a:latin typeface="Times New Roman" panose="02020603050405020304" charset="0"/>
-                        <a:cs typeface="Times New Roman" panose="02020603050405020304" charset="0"/>
+                        <a:ea typeface="微软雅黑" panose="020B0503020204020204" charset="-122"/>
+                        <a:sym typeface="+mn-ea"/>
                       </a:endParaRPr>
                     </a:p>
                   </a:txBody>
@@ -3531,165 +3574,12 @@
                           <a:ea typeface="微软雅黑" panose="020B0503020204020204" charset="-122"/>
                           <a:sym typeface="+mn-ea"/>
                         </a:rPr>
-                        <a:t>±</a:t>
+                        <a:t>0.6469±0.0220</a:t>
                       </a:r>
                       <a:endParaRPr lang="zh-CN" altLang="en-US" sz="1400">
                         <a:latin typeface="Times New Roman" panose="02020603050405020304" charset="0"/>
-                        <a:cs typeface="Times New Roman" panose="02020603050405020304" charset="0"/>
-                      </a:endParaRPr>
-                    </a:p>
-                  </a:txBody>
-                  <a:tcPr anchor="ctr" anchorCtr="0"/>
-                </a:tc>
-              </a:tr>
-              <a:tr h="464185">
-                <a:tc>
-                  <a:txBody>
-                    <a:bodyPr/>
-                    <a:p>
-                      <a:pPr algn="ctr">
-                        <a:buNone/>
-                      </a:pPr>
-                      <a:endParaRPr lang="zh-CN" altLang="en-US" sz="1400">
-                        <a:latin typeface="Times New Roman" panose="02020603050405020304" charset="0"/>
-                        <a:cs typeface="Times New Roman" panose="02020603050405020304" charset="0"/>
-                      </a:endParaRPr>
-                    </a:p>
-                  </a:txBody>
-                  <a:tcPr anchor="ctr" anchorCtr="0"/>
-                </a:tc>
-                <a:tc>
-                  <a:txBody>
-                    <a:bodyPr/>
-                    <a:p>
-                      <a:pPr algn="ctr">
-                        <a:buNone/>
-                      </a:pPr>
-                      <a:endParaRPr lang="zh-CN" altLang="en-US" sz="1400">
-                        <a:latin typeface="Times New Roman" panose="02020603050405020304" charset="0"/>
-                        <a:cs typeface="Times New Roman" panose="02020603050405020304" charset="0"/>
-                      </a:endParaRPr>
-                    </a:p>
-                  </a:txBody>
-                  <a:tcPr anchor="ctr" anchorCtr="0"/>
-                </a:tc>
-                <a:tc>
-                  <a:txBody>
-                    <a:bodyPr/>
-                    <a:p>
-                      <a:pPr algn="ctr">
-                        <a:buNone/>
-                      </a:pPr>
-                      <a:endParaRPr lang="zh-CN" altLang="en-US" sz="1400">
-                        <a:latin typeface="Times New Roman" panose="02020603050405020304" charset="0"/>
-                        <a:cs typeface="Times New Roman" panose="02020603050405020304" charset="0"/>
-                      </a:endParaRPr>
-                    </a:p>
-                  </a:txBody>
-                  <a:tcPr anchor="ctr" anchorCtr="0"/>
-                </a:tc>
-                <a:tc>
-                  <a:txBody>
-                    <a:bodyPr/>
-                    <a:p>
-                      <a:pPr algn="ctr">
-                        <a:buNone/>
-                      </a:pPr>
-                      <a:endParaRPr lang="zh-CN" altLang="en-US" sz="1400">
-                        <a:latin typeface="Times New Roman" panose="02020603050405020304" charset="0"/>
-                        <a:cs typeface="Times New Roman" panose="02020603050405020304" charset="0"/>
-                      </a:endParaRPr>
-                    </a:p>
-                  </a:txBody>
-                  <a:tcPr anchor="ctr" anchorCtr="0"/>
-                </a:tc>
-                <a:tc>
-                  <a:txBody>
-                    <a:bodyPr/>
-                    <a:p>
-                      <a:pPr algn="ctr">
-                        <a:buNone/>
-                      </a:pPr>
-                      <a:endParaRPr lang="zh-CN" altLang="en-US" sz="1400">
-                        <a:latin typeface="Times New Roman" panose="02020603050405020304" charset="0"/>
-                        <a:cs typeface="Times New Roman" panose="02020603050405020304" charset="0"/>
-                      </a:endParaRPr>
-                    </a:p>
-                  </a:txBody>
-                  <a:tcPr anchor="ctr" anchorCtr="0"/>
-                </a:tc>
-              </a:tr>
-              <a:tr h="465455">
-                <a:tc>
-                  <a:txBody>
-                    <a:bodyPr/>
-                    <a:p>
-                      <a:pPr algn="ctr">
-                        <a:buNone/>
-                      </a:pPr>
-                      <a:endParaRPr lang="zh-CN" altLang="en-US" sz="1400">
-                        <a:latin typeface="Times New Roman" panose="02020603050405020304" charset="0"/>
-                        <a:cs typeface="Times New Roman" panose="02020603050405020304" charset="0"/>
-                      </a:endParaRPr>
-                    </a:p>
-                  </a:txBody>
-                  <a:tcPr anchor="ctr" anchorCtr="0"/>
-                </a:tc>
-                <a:tc>
-                  <a:txBody>
-                    <a:bodyPr/>
-                    <a:p>
-                      <a:pPr algn="ctr">
-                        <a:buNone/>
-                      </a:pPr>
-                      <a:endParaRPr lang="zh-CN" altLang="en-US" sz="1400">
-                        <a:latin typeface="Times New Roman" panose="02020603050405020304" charset="0"/>
-                        <a:cs typeface="Times New Roman" panose="02020603050405020304" charset="0"/>
-                      </a:endParaRPr>
-                    </a:p>
-                  </a:txBody>
-                  <a:tcPr anchor="ctr" anchorCtr="0"/>
-                </a:tc>
-                <a:tc>
-                  <a:txBody>
-                    <a:bodyPr/>
-                    <a:p>
-                      <a:pPr algn="ctr">
-                        <a:buNone/>
-                      </a:pPr>
-                      <a:endParaRPr lang="zh-CN" altLang="en-US" sz="1400">
-                        <a:latin typeface="Times New Roman" panose="02020603050405020304" charset="0"/>
-                        <a:cs typeface="Times New Roman" panose="02020603050405020304" charset="0"/>
-                      </a:endParaRPr>
-                    </a:p>
-                  </a:txBody>
-                  <a:tcPr anchor="ctr" anchorCtr="0"/>
-                </a:tc>
-                <a:tc>
-                  <a:txBody>
-                    <a:bodyPr/>
-                    <a:p>
-                      <a:pPr algn="ctr">
-                        <a:buNone/>
-                      </a:pPr>
-                      <a:endParaRPr lang="zh-CN" altLang="en-US" sz="1400">
-                        <a:latin typeface="Times New Roman" panose="02020603050405020304" charset="0"/>
-                        <a:cs typeface="Times New Roman" panose="02020603050405020304" charset="0"/>
-                      </a:endParaRPr>
-                    </a:p>
-                  </a:txBody>
-                  <a:tcPr anchor="ctr" anchorCtr="0"/>
-                </a:tc>
-                <a:tc>
-                  <a:txBody>
-                    <a:bodyPr/>
-                    <a:p>
-                      <a:pPr algn="ctr">
-                        <a:buNone/>
-                      </a:pPr>
-                      <a:endParaRPr lang="zh-CN" altLang="en-US" sz="1400">
-                        <a:latin typeface="Times New Roman" panose="02020603050405020304" charset="0"/>
-                        <a:cs typeface="Times New Roman" panose="02020603050405020304" charset="0"/>
+                        <a:ea typeface="微软雅黑" panose="020B0503020204020204" charset="-122"/>
+                        <a:sym typeface="+mn-ea"/>
                       </a:endParaRPr>
                     </a:p>
                   </a:txBody>
